--- a/Documents/Identity-Database.pptx
+++ b/Documents/Identity-Database.pptx
@@ -5,21 +5,20 @@
     <p:sldMasterId id="2147483648" r:id="rId1"/>
   </p:sldMasterIdLst>
   <p:notesMasterIdLst>
-    <p:notesMasterId r:id="rId11"/>
+    <p:notesMasterId r:id="rId10"/>
   </p:notesMasterIdLst>
   <p:handoutMasterIdLst>
-    <p:handoutMasterId r:id="rId12"/>
+    <p:handoutMasterId r:id="rId11"/>
   </p:handoutMasterIdLst>
   <p:sldIdLst>
     <p:sldId id="256" r:id="rId2"/>
     <p:sldId id="405" r:id="rId3"/>
     <p:sldId id="406" r:id="rId4"/>
     <p:sldId id="407" r:id="rId5"/>
-    <p:sldId id="409" r:id="rId6"/>
-    <p:sldId id="408" r:id="rId7"/>
-    <p:sldId id="402" r:id="rId8"/>
-    <p:sldId id="403" r:id="rId9"/>
-    <p:sldId id="404" r:id="rId10"/>
+    <p:sldId id="411" r:id="rId6"/>
+    <p:sldId id="412" r:id="rId7"/>
+    <p:sldId id="413" r:id="rId8"/>
+    <p:sldId id="410" r:id="rId9"/>
   </p:sldIdLst>
   <p:sldSz cx="9144000" cy="6858000" type="screen4x3"/>
   <p:notesSz cx="6867525" cy="9994900"/>
@@ -650,90 +649,6 @@
     </a:lvl9pPr>
   </p:notesStyle>
 </p:notesMaster>
-</file>
-
-<file path=ppt/notesSlides/notesSlide1.xml><?xml version="1.0" encoding="utf-8"?>
-<p:notes xmlns:a="http://schemas.openxmlformats.org/drawingml/2006/main" xmlns:r="http://schemas.openxmlformats.org/officeDocument/2006/relationships" xmlns:p="http://schemas.openxmlformats.org/presentationml/2006/main">
-  <p:cSld>
-    <p:spTree>
-      <p:nvGrpSpPr>
-        <p:cNvPr id="1" name=""/>
-        <p:cNvGrpSpPr/>
-        <p:nvPr/>
-      </p:nvGrpSpPr>
-      <p:grpSpPr>
-        <a:xfrm>
-          <a:off x="0" y="0"/>
-          <a:ext cx="0" cy="0"/>
-          <a:chOff x="0" y="0"/>
-          <a:chExt cx="0" cy="0"/>
-        </a:xfrm>
-      </p:grpSpPr>
-      <p:sp>
-        <p:nvSpPr>
-          <p:cNvPr id="2" name="Platshållare för bildobjekt 1"/>
-          <p:cNvSpPr>
-            <a:spLocks noGrp="1" noRot="1" noChangeAspect="1"/>
-          </p:cNvSpPr>
-          <p:nvPr>
-            <p:ph type="sldImg"/>
-          </p:nvPr>
-        </p:nvSpPr>
-        <p:spPr/>
-      </p:sp>
-      <p:sp>
-        <p:nvSpPr>
-          <p:cNvPr id="3" name="Platshållare för anteckningar 2"/>
-          <p:cNvSpPr>
-            <a:spLocks noGrp="1"/>
-          </p:cNvSpPr>
-          <p:nvPr>
-            <p:ph type="body" idx="1"/>
-          </p:nvPr>
-        </p:nvSpPr>
-        <p:spPr/>
-        <p:txBody>
-          <a:bodyPr/>
-          <a:lstStyle/>
-          <a:p>
-            <a:endParaRPr lang="en-US" dirty="0"/>
-          </a:p>
-        </p:txBody>
-      </p:sp>
-      <p:sp>
-        <p:nvSpPr>
-          <p:cNvPr id="4" name="Platshållare för bildnummer 3"/>
-          <p:cNvSpPr>
-            <a:spLocks noGrp="1"/>
-          </p:cNvSpPr>
-          <p:nvPr>
-            <p:ph type="sldNum" sz="quarter" idx="10"/>
-          </p:nvPr>
-        </p:nvSpPr>
-        <p:spPr/>
-        <p:txBody>
-          <a:bodyPr/>
-          <a:lstStyle/>
-          <a:p>
-            <a:fld id="{9C98CF53-5E26-4422-B9D8-E9A5474C1FAF}" type="slidenum">
-              <a:rPr lang="sv-SE" smtClean="0"/>
-              <a:t>9</a:t>
-            </a:fld>
-            <a:endParaRPr lang="sv-SE"/>
-          </a:p>
-        </p:txBody>
-      </p:sp>
-    </p:spTree>
-    <p:extLst>
-      <p:ext uri="{BB962C8B-B14F-4D97-AF65-F5344CB8AC3E}">
-        <p14:creationId xmlns:p14="http://schemas.microsoft.com/office/powerpoint/2010/main" val="3289546320"/>
-      </p:ext>
-    </p:extLst>
-  </p:cSld>
-  <p:clrMapOvr>
-    <a:masterClrMapping/>
-  </p:clrMapOvr>
-</p:notes>
 </file>
 
 <file path=ppt/slideLayouts/slideLayout1.xml><?xml version="1.0" encoding="utf-8"?>
@@ -4172,11 +4087,7 @@
           <a:p>
             <a:r>
               <a:rPr lang="en-US" sz="4500" dirty="0" smtClean="0"/>
-              <a:t>ASP.NET </a:t>
-            </a:r>
-            <a:r>
-              <a:rPr lang="en-US" sz="4500" dirty="0" smtClean="0"/>
-              <a:t>Identity - Database</a:t>
+              <a:t>ASP.NET Identity - Database</a:t>
             </a:r>
             <a:endParaRPr lang="en-US" sz="4500" dirty="0"/>
           </a:p>
@@ -4352,7 +4263,7 @@
         </p:nvSpPr>
         <p:spPr>
           <a:xfrm>
-            <a:off x="323528" y="2966374"/>
+            <a:off x="691156" y="4139107"/>
             <a:ext cx="2232248" cy="806090"/>
           </a:xfrm>
           <a:prstGeom prst="rect">
@@ -4396,7 +4307,7 @@
         </p:nvSpPr>
         <p:spPr>
           <a:xfrm>
-            <a:off x="6444208" y="2966374"/>
+            <a:off x="6012160" y="4136164"/>
             <a:ext cx="2232248" cy="806090"/>
           </a:xfrm>
           <a:prstGeom prst="rect">
@@ -4440,7 +4351,7 @@
         </p:nvSpPr>
         <p:spPr>
           <a:xfrm>
-            <a:off x="3419872" y="4365104"/>
+            <a:off x="3348439" y="2621812"/>
             <a:ext cx="2232248" cy="806090"/>
           </a:xfrm>
           <a:prstGeom prst="rect">
@@ -4484,7 +4395,7 @@
         </p:nvSpPr>
         <p:spPr>
           <a:xfrm>
-            <a:off x="323528" y="4365104"/>
+            <a:off x="691156" y="5637121"/>
             <a:ext cx="2232248" cy="806090"/>
           </a:xfrm>
           <a:prstGeom prst="rect">
@@ -4528,7 +4439,59 @@
         </p:nvSpPr>
         <p:spPr>
           <a:xfrm>
-            <a:off x="6444208" y="4365104"/>
+            <a:off x="6012160" y="2622910"/>
+            <a:ext cx="2232248" cy="806090"/>
+          </a:xfrm>
+          <a:prstGeom prst="rect">
+            <a:avLst/>
+          </a:prstGeom>
+          <a:solidFill>
+            <a:srgbClr val="77933C"/>
+          </a:solidFill>
+          <a:ln>
+            <a:solidFill>
+              <a:schemeClr val="accent3"/>
+            </a:solidFill>
+          </a:ln>
+        </p:spPr>
+        <p:style>
+          <a:lnRef idx="2">
+            <a:schemeClr val="accent1">
+              <a:shade val="50000"/>
+            </a:schemeClr>
+          </a:lnRef>
+          <a:fillRef idx="1">
+            <a:schemeClr val="accent1"/>
+          </a:fillRef>
+          <a:effectRef idx="0">
+            <a:schemeClr val="accent1"/>
+          </a:effectRef>
+          <a:fontRef idx="minor">
+            <a:schemeClr val="lt1"/>
+          </a:fontRef>
+        </p:style>
+        <p:txBody>
+          <a:bodyPr rtlCol="0" anchor="ctr"/>
+          <a:lstStyle/>
+          <a:p>
+            <a:pPr algn="ctr"/>
+            <a:r>
+              <a:rPr lang="en-US" dirty="0" smtClean="0"/>
+              <a:t>_MigrationHistory</a:t>
+            </a:r>
+            <a:endParaRPr lang="en-US" dirty="0"/>
+          </a:p>
+        </p:txBody>
+      </p:sp>
+      <p:sp>
+        <p:nvSpPr>
+          <p:cNvPr id="10" name="Rektangel 9"/>
+          <p:cNvSpPr/>
+          <p:nvPr/>
+        </p:nvSpPr>
+        <p:spPr>
+          <a:xfrm>
+            <a:off x="3351658" y="4134578"/>
             <a:ext cx="2232248" cy="806090"/>
           </a:xfrm>
           <a:prstGeom prst="rect">
@@ -4558,54 +4521,6 @@
             <a:pPr algn="ctr"/>
             <a:r>
               <a:rPr lang="en-US" dirty="0" smtClean="0"/>
-              <a:t>_</a:t>
-            </a:r>
-            <a:r>
-              <a:rPr lang="en-US" dirty="0" err="1" smtClean="0"/>
-              <a:t>MigrationHistory</a:t>
-            </a:r>
-            <a:endParaRPr lang="en-US" dirty="0"/>
-          </a:p>
-        </p:txBody>
-      </p:sp>
-      <p:sp>
-        <p:nvSpPr>
-          <p:cNvPr id="10" name="Rektangel 9"/>
-          <p:cNvSpPr/>
-          <p:nvPr/>
-        </p:nvSpPr>
-        <p:spPr>
-          <a:xfrm>
-            <a:off x="3419872" y="2966374"/>
-            <a:ext cx="2232248" cy="806090"/>
-          </a:xfrm>
-          <a:prstGeom prst="rect">
-            <a:avLst/>
-          </a:prstGeom>
-        </p:spPr>
-        <p:style>
-          <a:lnRef idx="2">
-            <a:schemeClr val="accent1">
-              <a:shade val="50000"/>
-            </a:schemeClr>
-          </a:lnRef>
-          <a:fillRef idx="1">
-            <a:schemeClr val="accent1"/>
-          </a:fillRef>
-          <a:effectRef idx="0">
-            <a:schemeClr val="accent1"/>
-          </a:effectRef>
-          <a:fontRef idx="minor">
-            <a:schemeClr val="lt1"/>
-          </a:fontRef>
-        </p:style>
-        <p:txBody>
-          <a:bodyPr rtlCol="0" anchor="ctr"/>
-          <a:lstStyle/>
-          <a:p>
-            <a:pPr algn="ctr"/>
-            <a:r>
-              <a:rPr lang="en-US" dirty="0" smtClean="0"/>
               <a:t>AspNetUsers</a:t>
             </a:r>
             <a:endParaRPr lang="en-US" dirty="0"/>
@@ -4622,9 +4537,9 @@
           <p:nvPr/>
         </p:nvCxnSpPr>
         <p:spPr>
-          <a:xfrm>
-            <a:off x="2555776" y="3369419"/>
-            <a:ext cx="864096" cy="0"/>
+          <a:xfrm flipV="1">
+            <a:off x="2923404" y="4537623"/>
+            <a:ext cx="428254" cy="4529"/>
           </a:xfrm>
           <a:prstGeom prst="line">
             <a:avLst/>
@@ -4656,8 +4571,8 @@
         </p:nvCxnSpPr>
         <p:spPr>
           <a:xfrm>
-            <a:off x="1439652" y="3772464"/>
-            <a:ext cx="0" cy="592640"/>
+            <a:off x="1807280" y="4945197"/>
+            <a:ext cx="0" cy="691924"/>
           </a:xfrm>
           <a:prstGeom prst="line">
             <a:avLst/>
@@ -4689,8 +4604,8 @@
         </p:nvCxnSpPr>
         <p:spPr>
           <a:xfrm>
-            <a:off x="5652120" y="3369419"/>
-            <a:ext cx="792088" cy="0"/>
+            <a:off x="5583906" y="4537623"/>
+            <a:ext cx="428254" cy="1586"/>
           </a:xfrm>
           <a:prstGeom prst="line">
             <a:avLst/>
@@ -4715,15 +4630,15 @@
         <p:nvCxnSpPr>
           <p:cNvPr id="20" name="Rak 19"/>
           <p:cNvCxnSpPr>
-            <a:stCxn id="10" idx="2"/>
-            <a:endCxn id="7" idx="0"/>
+            <a:stCxn id="10" idx="0"/>
+            <a:endCxn id="7" idx="2"/>
           </p:cNvCxnSpPr>
           <p:nvPr/>
         </p:nvCxnSpPr>
         <p:spPr>
-          <a:xfrm>
-            <a:off x="4535996" y="3772464"/>
-            <a:ext cx="0" cy="592640"/>
+          <a:xfrm flipH="1" flipV="1">
+            <a:off x="4464563" y="3427902"/>
+            <a:ext cx="3219" cy="706676"/>
           </a:xfrm>
           <a:prstGeom prst="line">
             <a:avLst/>
@@ -4754,6 +4669,13 @@
   <p:clrMapOvr>
     <a:masterClrMapping/>
   </p:clrMapOvr>
+  <p:timing>
+    <p:tnLst>
+      <p:par>
+        <p:cTn id="1" dur="indefinite" restart="never" nodeType="tmRoot"/>
+      </p:par>
+    </p:tnLst>
+  </p:timing>
 </p:sld>
 </file>
 
@@ -4809,7 +4731,7 @@
             <p:ph idx="1"/>
             <p:extLst>
               <p:ext uri="{D42A27DB-BD31-4B8C-83A1-F6EECF244321}">
-                <p14:modId xmlns:p14="http://schemas.microsoft.com/office/powerpoint/2010/main" val="4224236733"/>
+                <p14:modId xmlns:p14="http://schemas.microsoft.com/office/powerpoint/2010/main" val="2835910452"/>
               </p:ext>
             </p:extLst>
           </p:nvPr>
@@ -5238,7 +5160,10 @@
                   </a:txBody>
                   <a:tcPr>
                     <a:solidFill>
-                      <a:srgbClr val="00B050"/>
+                      <a:schemeClr val="accent3">
+                        <a:lumMod val="60000"/>
+                        <a:lumOff val="40000"/>
+                      </a:schemeClr>
                     </a:solidFill>
                   </a:tcPr>
                 </a:tc>
@@ -5256,7 +5181,10 @@
                   </a:txBody>
                   <a:tcPr>
                     <a:solidFill>
-                      <a:srgbClr val="00B050"/>
+                      <a:schemeClr val="accent3">
+                        <a:lumMod val="60000"/>
+                        <a:lumOff val="40000"/>
+                      </a:schemeClr>
                     </a:solidFill>
                   </a:tcPr>
                 </a:tc>
@@ -5276,7 +5204,10 @@
                   </a:txBody>
                   <a:tcPr>
                     <a:solidFill>
-                      <a:srgbClr val="00B050"/>
+                      <a:schemeClr val="accent3">
+                        <a:lumMod val="60000"/>
+                        <a:lumOff val="40000"/>
+                      </a:schemeClr>
                     </a:solidFill>
                   </a:tcPr>
                 </a:tc>
@@ -5298,7 +5229,10 @@
                   </a:txBody>
                   <a:tcPr>
                     <a:solidFill>
-                      <a:srgbClr val="00B050"/>
+                      <a:schemeClr val="accent3">
+                        <a:lumMod val="60000"/>
+                        <a:lumOff val="40000"/>
+                      </a:schemeClr>
                     </a:solidFill>
                   </a:tcPr>
                 </a:tc>
@@ -5318,7 +5252,10 @@
                   </a:txBody>
                   <a:tcPr>
                     <a:solidFill>
-                      <a:srgbClr val="00B050"/>
+                      <a:schemeClr val="accent3">
+                        <a:lumMod val="60000"/>
+                        <a:lumOff val="40000"/>
+                      </a:schemeClr>
                     </a:solidFill>
                   </a:tcPr>
                 </a:tc>
@@ -5340,7 +5277,10 @@
                   </a:txBody>
                   <a:tcPr>
                     <a:solidFill>
-                      <a:srgbClr val="00B050"/>
+                      <a:schemeClr val="accent3">
+                        <a:lumMod val="60000"/>
+                        <a:lumOff val="40000"/>
+                      </a:schemeClr>
                     </a:solidFill>
                   </a:tcPr>
                 </a:tc>
@@ -5358,7 +5298,7 @@
         <p:spPr>
           <a:xfrm>
             <a:off x="6804248" y="908720"/>
-            <a:ext cx="2160240" cy="923330"/>
+            <a:ext cx="2160240" cy="5632311"/>
           </a:xfrm>
           <a:prstGeom prst="rect">
             <a:avLst/>
@@ -5377,7 +5317,102 @@
             </a:pPr>
             <a:r>
               <a:rPr lang="en-US" dirty="0" smtClean="0"/>
+              <a:t>Table for storing users</a:t>
+            </a:r>
+            <a:endParaRPr lang="en-US" dirty="0"/>
+          </a:p>
+          <a:p>
+            <a:pPr marL="285750" indent="-285750">
+              <a:buFont typeface="Arial" panose="020B0604020202020204" pitchFamily="34" charset="0"/>
+              <a:buChar char="•"/>
+            </a:pPr>
+            <a:endParaRPr lang="en-US" dirty="0" smtClean="0"/>
+          </a:p>
+          <a:p>
+            <a:pPr marL="285750" indent="-285750">
+              <a:buFont typeface="Arial" panose="020B0604020202020204" pitchFamily="34" charset="0"/>
+              <a:buChar char="•"/>
+            </a:pPr>
+            <a:r>
+              <a:rPr lang="en-US" dirty="0" smtClean="0"/>
               <a:t>User information</a:t>
+            </a:r>
+            <a:br>
+              <a:rPr lang="en-US" dirty="0" smtClean="0"/>
+            </a:br>
+            <a:endParaRPr lang="en-US" dirty="0" smtClean="0"/>
+          </a:p>
+          <a:p>
+            <a:pPr marL="285750" indent="-285750">
+              <a:buFont typeface="Arial" panose="020B0604020202020204" pitchFamily="34" charset="0"/>
+              <a:buChar char="•"/>
+            </a:pPr>
+            <a:endParaRPr lang="en-US" dirty="0"/>
+          </a:p>
+          <a:p>
+            <a:pPr marL="285750" indent="-285750">
+              <a:buFont typeface="Arial" panose="020B0604020202020204" pitchFamily="34" charset="0"/>
+              <a:buChar char="•"/>
+            </a:pPr>
+            <a:endParaRPr lang="en-US" dirty="0" smtClean="0"/>
+          </a:p>
+          <a:p>
+            <a:pPr marL="285750" indent="-285750">
+              <a:buFont typeface="Arial" panose="020B0604020202020204" pitchFamily="34" charset="0"/>
+              <a:buChar char="•"/>
+            </a:pPr>
+            <a:endParaRPr lang="en-US" dirty="0"/>
+          </a:p>
+          <a:p>
+            <a:pPr marL="285750" indent="-285750">
+              <a:buFont typeface="Arial" panose="020B0604020202020204" pitchFamily="34" charset="0"/>
+              <a:buChar char="•"/>
+            </a:pPr>
+            <a:endParaRPr lang="en-US" dirty="0" smtClean="0"/>
+          </a:p>
+          <a:p>
+            <a:pPr marL="285750" indent="-285750">
+              <a:buFont typeface="Arial" panose="020B0604020202020204" pitchFamily="34" charset="0"/>
+              <a:buChar char="•"/>
+            </a:pPr>
+            <a:endParaRPr lang="en-US" dirty="0" smtClean="0"/>
+          </a:p>
+          <a:p>
+            <a:pPr marL="285750" indent="-285750">
+              <a:buFont typeface="Arial" panose="020B0604020202020204" pitchFamily="34" charset="0"/>
+              <a:buChar char="•"/>
+            </a:pPr>
+            <a:endParaRPr lang="en-US" dirty="0" smtClean="0"/>
+          </a:p>
+          <a:p>
+            <a:pPr marL="285750" indent="-285750">
+              <a:buFont typeface="Arial" panose="020B0604020202020204" pitchFamily="34" charset="0"/>
+              <a:buChar char="•"/>
+            </a:pPr>
+            <a:r>
+              <a:rPr lang="en-US" dirty="0" smtClean="0"/>
+              <a:t>Two Factor Authentication feature</a:t>
+            </a:r>
+            <a:br>
+              <a:rPr lang="en-US" dirty="0" smtClean="0"/>
+            </a:br>
+            <a:endParaRPr lang="en-US" dirty="0" smtClean="0"/>
+          </a:p>
+          <a:p>
+            <a:pPr marL="285750" indent="-285750">
+              <a:buFont typeface="Arial" panose="020B0604020202020204" pitchFamily="34" charset="0"/>
+              <a:buChar char="•"/>
+            </a:pPr>
+            <a:endParaRPr lang="en-US" dirty="0" smtClean="0"/>
+          </a:p>
+          <a:p>
+            <a:pPr marL="285750" indent="-285750">
+              <a:buFont typeface="Arial" panose="020B0604020202020204" pitchFamily="34" charset="0"/>
+              <a:buChar char="•"/>
+            </a:pPr>
+            <a:r>
+              <a:rPr lang="en-US" dirty="0" smtClean="0"/>
+              <a:t>Account lockout feature</a:t>
             </a:r>
           </a:p>
           <a:p>
@@ -5481,7 +5516,7 @@
             </a:pPr>
             <a:r>
               <a:rPr lang="en-US" sz="3200" dirty="0" smtClean="0"/>
-              <a:t>Specific content of table AspNetUsers:</a:t>
+              <a:t>Specific content of the AspNetUser table:</a:t>
             </a:r>
           </a:p>
           <a:p>
@@ -5493,20 +5528,57 @@
           <a:p>
             <a:r>
               <a:rPr lang="en-US" dirty="0" smtClean="0"/>
-              <a:t>Id is the primary key and is generated as a GUID</a:t>
-            </a:r>
-          </a:p>
-          <a:p>
+              <a:t>Id is the primary key and is generated as a GUID which is a unique </a:t>
+            </a:r>
             <a:r>
               <a:rPr lang="en-US" dirty="0" smtClean="0"/>
-              <a:t>PasswordHash is generated hash of 68 characters </a:t>
-            </a:r>
-          </a:p>
-          <a:p>
+              <a:t>identifier (</a:t>
+            </a:r>
+            <a:r>
+              <a:rPr lang="en-US" dirty="0" err="1" smtClean="0"/>
+              <a:t>Separat</a:t>
+            </a:r>
             <a:r>
               <a:rPr lang="en-US" dirty="0" smtClean="0"/>
-              <a:t>UserName is stored without any serialization and is the value as the email</a:t>
-            </a:r>
+              <a:t> slide)</a:t>
+            </a:r>
+            <a:endParaRPr lang="en-US" dirty="0" smtClean="0"/>
+          </a:p>
+          <a:p>
+            <a:r>
+              <a:rPr lang="en-US" dirty="0" smtClean="0"/>
+              <a:t>PasswordHash is generated hash of 68 characters</a:t>
+            </a:r>
+          </a:p>
+          <a:p>
+            <a:pPr lvl="1"/>
+            <a:r>
+              <a:rPr lang="en-US" dirty="0" smtClean="0"/>
+              <a:t>Salt</a:t>
+            </a:r>
+          </a:p>
+          <a:p>
+            <a:pPr lvl="1"/>
+            <a:r>
+              <a:rPr lang="en-US" dirty="0" smtClean="0"/>
+              <a:t>Pepper </a:t>
+            </a:r>
+            <a:r>
+              <a:rPr lang="en-US" dirty="0" smtClean="0"/>
+              <a:t> (</a:t>
+            </a:r>
+            <a:r>
+              <a:rPr lang="en-US" dirty="0" err="1" smtClean="0"/>
+              <a:t>Separat</a:t>
+            </a:r>
+            <a:r>
+              <a:rPr lang="en-US" dirty="0" smtClean="0"/>
+              <a:t> Slide)</a:t>
+            </a:r>
+            <a:endParaRPr lang="en-US" dirty="0" smtClean="0"/>
+          </a:p>
+          <a:p>
+            <a:endParaRPr lang="en-US" dirty="0" smtClean="0"/>
           </a:p>
           <a:p>
             <a:endParaRPr lang="en-US" dirty="0" smtClean="0"/>
@@ -5526,6 +5598,13 @@
   <p:clrMapOvr>
     <a:masterClrMapping/>
   </p:clrMapOvr>
+  <p:timing>
+    <p:tnLst>
+      <p:par>
+        <p:cTn id="1" dur="indefinite" restart="never" nodeType="tmRoot"/>
+      </p:par>
+    </p:tnLst>
+  </p:timing>
 </p:sld>
 </file>
 
@@ -5558,133 +5637,441 @@
         </p:nvSpPr>
         <p:spPr/>
         <p:txBody>
-          <a:bodyPr>
-            <a:normAutofit fontScale="90000"/>
+          <a:bodyPr/>
+          <a:lstStyle/>
+          <a:p>
+            <a:r>
+              <a:rPr lang="en-US" dirty="0" smtClean="0"/>
+              <a:t>ASP.NET Identity - Database</a:t>
+            </a:r>
+            <a:endParaRPr lang="en-US" dirty="0"/>
+          </a:p>
+        </p:txBody>
+      </p:sp>
+      <p:graphicFrame>
+        <p:nvGraphicFramePr>
+          <p:cNvPr id="4" name="Platshållare för innehåll 3"/>
+          <p:cNvGraphicFramePr>
+            <a:graphicFrameLocks noGrp="1"/>
+          </p:cNvGraphicFramePr>
+          <p:nvPr>
+            <p:ph idx="1"/>
+            <p:extLst>
+              <p:ext uri="{D42A27DB-BD31-4B8C-83A1-F6EECF244321}">
+                <p14:modId xmlns:p14="http://schemas.microsoft.com/office/powerpoint/2010/main" val="3831816072"/>
+              </p:ext>
+            </p:extLst>
+          </p:nvPr>
+        </p:nvGraphicFramePr>
+        <p:xfrm>
+          <a:off x="395536" y="980728"/>
+          <a:ext cx="5266928" cy="2088232"/>
+        </p:xfrm>
+        <a:graphic>
+          <a:graphicData uri="http://schemas.openxmlformats.org/drawingml/2006/table">
+            <a:tbl>
+              <a:tblPr firstRow="1" bandRow="1">
+                <a:tableStyleId>{5C22544A-7EE6-4342-B048-85BDC9FD1C3A}</a:tableStyleId>
+              </a:tblPr>
+              <a:tblGrid>
+                <a:gridCol w="2674640"/>
+                <a:gridCol w="2592288"/>
+              </a:tblGrid>
+              <a:tr h="663550">
+                <a:tc gridSpan="2">
+                  <a:txBody>
+                    <a:bodyPr/>
+                    <a:lstStyle/>
+                    <a:p>
+                      <a:pPr algn="ctr"/>
+                      <a:r>
+                        <a:rPr lang="en-US" sz="2800" dirty="0" smtClean="0"/>
+                        <a:t>AspNetRoles</a:t>
+                      </a:r>
+                      <a:endParaRPr lang="en-US" sz="2800" dirty="0"/>
+                    </a:p>
+                  </a:txBody>
+                  <a:tcPr/>
+                </a:tc>
+                <a:tc hMerge="1">
+                  <a:txBody>
+                    <a:bodyPr/>
+                    <a:lstStyle/>
+                    <a:p>
+                      <a:endParaRPr lang="en-US" dirty="0"/>
+                    </a:p>
+                  </a:txBody>
+                  <a:tcPr/>
+                </a:tc>
+              </a:tr>
+              <a:tr h="474894">
+                <a:tc>
+                  <a:txBody>
+                    <a:bodyPr/>
+                    <a:lstStyle/>
+                    <a:p>
+                      <a:r>
+                        <a:rPr lang="en-US" b="1" dirty="0" smtClean="0"/>
+                        <a:t>Column</a:t>
+                      </a:r>
+                      <a:endParaRPr lang="en-US" b="1" dirty="0"/>
+                    </a:p>
+                  </a:txBody>
+                  <a:tcPr/>
+                </a:tc>
+                <a:tc>
+                  <a:txBody>
+                    <a:bodyPr/>
+                    <a:lstStyle/>
+                    <a:p>
+                      <a:r>
+                        <a:rPr lang="en-US" b="1" dirty="0" smtClean="0"/>
+                        <a:t>Description</a:t>
+                      </a:r>
+                      <a:endParaRPr lang="en-US" b="1" dirty="0"/>
+                    </a:p>
+                  </a:txBody>
+                  <a:tcPr/>
+                </a:tc>
+              </a:tr>
+              <a:tr h="474894">
+                <a:tc>
+                  <a:txBody>
+                    <a:bodyPr/>
+                    <a:lstStyle/>
+                    <a:p>
+                      <a:r>
+                        <a:rPr lang="en-US" dirty="0" smtClean="0"/>
+                        <a:t>Id</a:t>
+                      </a:r>
+                      <a:endParaRPr lang="en-US" dirty="0"/>
+                    </a:p>
+                  </a:txBody>
+                  <a:tcPr/>
+                </a:tc>
+                <a:tc>
+                  <a:txBody>
+                    <a:bodyPr/>
+                    <a:lstStyle/>
+                    <a:p>
+                      <a:r>
+                        <a:rPr lang="en-US" dirty="0" smtClean="0"/>
+                        <a:t>A generated GUID value</a:t>
+                      </a:r>
+                      <a:endParaRPr lang="en-US" dirty="0"/>
+                    </a:p>
+                  </a:txBody>
+                  <a:tcPr/>
+                </a:tc>
+              </a:tr>
+              <a:tr h="474894">
+                <a:tc>
+                  <a:txBody>
+                    <a:bodyPr/>
+                    <a:lstStyle/>
+                    <a:p>
+                      <a:r>
+                        <a:rPr lang="en-US" dirty="0" smtClean="0"/>
+                        <a:t>Name</a:t>
+                      </a:r>
+                      <a:endParaRPr lang="en-US" dirty="0"/>
+                    </a:p>
+                  </a:txBody>
+                  <a:tcPr/>
+                </a:tc>
+                <a:tc>
+                  <a:txBody>
+                    <a:bodyPr/>
+                    <a:lstStyle/>
+                    <a:p>
+                      <a:r>
+                        <a:rPr lang="en-US" dirty="0" smtClean="0"/>
+                        <a:t>The name of the</a:t>
+                      </a:r>
+                      <a:r>
+                        <a:rPr lang="en-US" baseline="0" dirty="0" smtClean="0"/>
+                        <a:t> role</a:t>
+                      </a:r>
+                      <a:endParaRPr lang="en-US" dirty="0"/>
+                    </a:p>
+                  </a:txBody>
+                  <a:tcPr/>
+                </a:tc>
+              </a:tr>
+            </a:tbl>
+          </a:graphicData>
+        </a:graphic>
+      </p:graphicFrame>
+      <p:graphicFrame>
+        <p:nvGraphicFramePr>
+          <p:cNvPr id="6" name="Platshållare för innehåll 3"/>
+          <p:cNvGraphicFramePr>
+            <a:graphicFrameLocks/>
+          </p:cNvGraphicFramePr>
+          <p:nvPr>
+            <p:extLst>
+              <p:ext uri="{D42A27DB-BD31-4B8C-83A1-F6EECF244321}">
+                <p14:modId xmlns:p14="http://schemas.microsoft.com/office/powerpoint/2010/main" val="3214134684"/>
+              </p:ext>
+            </p:extLst>
+          </p:nvPr>
+        </p:nvGraphicFramePr>
+        <p:xfrm>
+          <a:off x="395536" y="3501008"/>
+          <a:ext cx="5266928" cy="2088232"/>
+        </p:xfrm>
+        <a:graphic>
+          <a:graphicData uri="http://schemas.openxmlformats.org/drawingml/2006/table">
+            <a:tbl>
+              <a:tblPr firstRow="1" bandRow="1">
+                <a:tableStyleId>{5C22544A-7EE6-4342-B048-85BDC9FD1C3A}</a:tableStyleId>
+              </a:tblPr>
+              <a:tblGrid>
+                <a:gridCol w="2674640"/>
+                <a:gridCol w="2592288"/>
+              </a:tblGrid>
+              <a:tr h="663550">
+                <a:tc gridSpan="2">
+                  <a:txBody>
+                    <a:bodyPr/>
+                    <a:lstStyle/>
+                    <a:p>
+                      <a:pPr algn="ctr"/>
+                      <a:r>
+                        <a:rPr lang="en-US" sz="2800" dirty="0" smtClean="0"/>
+                        <a:t>AspNetUserRoles</a:t>
+                      </a:r>
+                      <a:endParaRPr lang="en-US" sz="2800" dirty="0"/>
+                    </a:p>
+                  </a:txBody>
+                  <a:tcPr/>
+                </a:tc>
+                <a:tc hMerge="1">
+                  <a:txBody>
+                    <a:bodyPr/>
+                    <a:lstStyle/>
+                    <a:p>
+                      <a:endParaRPr lang="en-US" dirty="0"/>
+                    </a:p>
+                  </a:txBody>
+                  <a:tcPr/>
+                </a:tc>
+              </a:tr>
+              <a:tr h="474894">
+                <a:tc>
+                  <a:txBody>
+                    <a:bodyPr/>
+                    <a:lstStyle/>
+                    <a:p>
+                      <a:r>
+                        <a:rPr lang="en-US" b="1" dirty="0" smtClean="0"/>
+                        <a:t>Column</a:t>
+                      </a:r>
+                      <a:endParaRPr lang="en-US" b="1" dirty="0"/>
+                    </a:p>
+                  </a:txBody>
+                  <a:tcPr/>
+                </a:tc>
+                <a:tc>
+                  <a:txBody>
+                    <a:bodyPr/>
+                    <a:lstStyle/>
+                    <a:p>
+                      <a:r>
+                        <a:rPr lang="en-US" b="1" dirty="0" smtClean="0"/>
+                        <a:t>Description</a:t>
+                      </a:r>
+                      <a:endParaRPr lang="en-US" b="1" dirty="0"/>
+                    </a:p>
+                  </a:txBody>
+                  <a:tcPr/>
+                </a:tc>
+              </a:tr>
+              <a:tr h="474894">
+                <a:tc>
+                  <a:txBody>
+                    <a:bodyPr/>
+                    <a:lstStyle/>
+                    <a:p>
+                      <a:r>
+                        <a:rPr lang="en-US" dirty="0" smtClean="0"/>
+                        <a:t>UserId</a:t>
+                      </a:r>
+                      <a:endParaRPr lang="en-US" dirty="0"/>
+                    </a:p>
+                  </a:txBody>
+                  <a:tcPr/>
+                </a:tc>
+                <a:tc>
+                  <a:txBody>
+                    <a:bodyPr/>
+                    <a:lstStyle/>
+                    <a:p>
+                      <a:r>
+                        <a:rPr lang="en-US" dirty="0" smtClean="0"/>
+                        <a:t>The</a:t>
+                      </a:r>
+                      <a:r>
+                        <a:rPr lang="en-US" baseline="0" dirty="0" smtClean="0"/>
+                        <a:t> Users ID</a:t>
+                      </a:r>
+                      <a:endParaRPr lang="en-US" dirty="0"/>
+                    </a:p>
+                  </a:txBody>
+                  <a:tcPr/>
+                </a:tc>
+              </a:tr>
+              <a:tr h="474894">
+                <a:tc>
+                  <a:txBody>
+                    <a:bodyPr/>
+                    <a:lstStyle/>
+                    <a:p>
+                      <a:r>
+                        <a:rPr lang="en-US" dirty="0" smtClean="0"/>
+                        <a:t>RoleId</a:t>
+                      </a:r>
+                      <a:endParaRPr lang="en-US" dirty="0"/>
+                    </a:p>
+                  </a:txBody>
+                  <a:tcPr/>
+                </a:tc>
+                <a:tc>
+                  <a:txBody>
+                    <a:bodyPr/>
+                    <a:lstStyle/>
+                    <a:p>
+                      <a:r>
+                        <a:rPr lang="en-US" dirty="0" smtClean="0"/>
+                        <a:t>The Roles ID</a:t>
+                      </a:r>
+                      <a:endParaRPr lang="en-US" dirty="0"/>
+                    </a:p>
+                  </a:txBody>
+                  <a:tcPr/>
+                </a:tc>
+              </a:tr>
+            </a:tbl>
+          </a:graphicData>
+        </a:graphic>
+      </p:graphicFrame>
+      <p:sp>
+        <p:nvSpPr>
+          <p:cNvPr id="7" name="textruta 6"/>
+          <p:cNvSpPr txBox="1"/>
+          <p:nvPr/>
+        </p:nvSpPr>
+        <p:spPr>
+          <a:xfrm>
+            <a:off x="5868144" y="1052736"/>
+            <a:ext cx="3168352" cy="3139321"/>
+          </a:xfrm>
+          <a:prstGeom prst="rect">
+            <a:avLst/>
+          </a:prstGeom>
+          <a:noFill/>
+        </p:spPr>
+        <p:txBody>
+          <a:bodyPr wrap="square" rtlCol="0">
+            <a:spAutoFit/>
           </a:bodyPr>
           <a:lstStyle/>
           <a:p>
-            <a:r>
-              <a:rPr lang="en-US" sz="3200" b="1" dirty="0"/>
-              <a:t>ASP.NET Identity - Database</a:t>
-            </a:r>
+            <a:pPr marL="285750" indent="-285750">
+              <a:buFont typeface="Arial" panose="020B0604020202020204" pitchFamily="34" charset="0"/>
+              <a:buChar char="•"/>
+            </a:pPr>
+            <a:r>
+              <a:rPr lang="en-US" dirty="0" smtClean="0"/>
+              <a:t>Table for storing roles</a:t>
+            </a:r>
+          </a:p>
+          <a:p>
+            <a:pPr marL="285750" indent="-285750">
+              <a:buFont typeface="Arial" panose="020B0604020202020204" pitchFamily="34" charset="0"/>
+              <a:buChar char="•"/>
+            </a:pPr>
             <a:endParaRPr lang="en-US" dirty="0"/>
           </a:p>
-        </p:txBody>
-      </p:sp>
-      <p:sp>
-        <p:nvSpPr>
-          <p:cNvPr id="3" name="Platshållare för innehåll 2"/>
-          <p:cNvSpPr>
-            <a:spLocks noGrp="1"/>
-          </p:cNvSpPr>
-          <p:nvPr>
-            <p:ph idx="1"/>
-          </p:nvPr>
-        </p:nvSpPr>
-        <p:spPr/>
-        <p:txBody>
-          <a:bodyPr>
-            <a:normAutofit/>
-          </a:bodyPr>
-          <a:lstStyle/>
-          <a:p>
-            <a:pPr marL="0" indent="0" algn="ctr">
-              <a:buNone/>
+          <a:p>
+            <a:pPr marL="285750" indent="-285750">
+              <a:buFont typeface="Arial" panose="020B0604020202020204" pitchFamily="34" charset="0"/>
+              <a:buChar char="•"/>
             </a:pPr>
-            <a:r>
-              <a:rPr lang="en-US" sz="3200" dirty="0" smtClean="0"/>
-              <a:t>Globally Unique Identifier (GUID)</a:t>
-            </a:r>
-          </a:p>
-          <a:p>
-            <a:pPr marL="0" indent="0">
-              <a:buNone/>
+            <a:endParaRPr lang="en-US" dirty="0" smtClean="0"/>
+          </a:p>
+          <a:p>
+            <a:pPr marL="285750" indent="-285750">
+              <a:buFont typeface="Arial" panose="020B0604020202020204" pitchFamily="34" charset="0"/>
+              <a:buChar char="•"/>
             </a:pPr>
-            <a:r>
-              <a:rPr lang="en-US" sz="3200" dirty="0" smtClean="0"/>
-              <a:t>As seen before the </a:t>
-            </a:r>
-            <a:r>
-              <a:rPr lang="en-US" sz="3200" b="1" dirty="0" smtClean="0">
-                <a:solidFill>
-                  <a:srgbClr val="77933C"/>
-                </a:solidFill>
-              </a:rPr>
-              <a:t>Id</a:t>
-            </a:r>
-            <a:r>
-              <a:rPr lang="en-US" sz="3200" dirty="0" smtClean="0">
-                <a:solidFill>
-                  <a:srgbClr val="77933C"/>
-                </a:solidFill>
-              </a:rPr>
-              <a:t> </a:t>
-            </a:r>
-            <a:r>
-              <a:rPr lang="en-US" sz="3200" dirty="0" smtClean="0"/>
-              <a:t>and </a:t>
-            </a:r>
-            <a:r>
-              <a:rPr lang="en-US" sz="3200" b="1" dirty="0" smtClean="0">
-                <a:solidFill>
-                  <a:srgbClr val="77933C"/>
-                </a:solidFill>
-              </a:rPr>
-              <a:t>security stamp </a:t>
-            </a:r>
-            <a:r>
-              <a:rPr lang="en-US" sz="3200" dirty="0" smtClean="0"/>
-              <a:t>property </a:t>
-            </a:r>
-          </a:p>
-          <a:p>
-            <a:pPr marL="0" indent="0">
-              <a:buNone/>
+            <a:endParaRPr lang="en-US" dirty="0"/>
+          </a:p>
+          <a:p>
+            <a:pPr marL="285750" indent="-285750">
+              <a:buFont typeface="Arial" panose="020B0604020202020204" pitchFamily="34" charset="0"/>
+              <a:buChar char="•"/>
             </a:pPr>
-            <a:endParaRPr lang="en-US" sz="3200" dirty="0"/>
-          </a:p>
-          <a:p>
-            <a:pPr marL="0" indent="0">
-              <a:buNone/>
+            <a:endParaRPr lang="en-US" dirty="0" smtClean="0"/>
+          </a:p>
+          <a:p>
+            <a:pPr marL="285750" indent="-285750">
+              <a:buFont typeface="Arial" panose="020B0604020202020204" pitchFamily="34" charset="0"/>
+              <a:buChar char="•"/>
             </a:pPr>
-            <a:r>
-              <a:rPr lang="en-US" sz="3200" dirty="0" err="1" smtClean="0"/>
-              <a:t>Måste</a:t>
-            </a:r>
-            <a:r>
-              <a:rPr lang="en-US" sz="3200" dirty="0" smtClean="0"/>
-              <a:t> </a:t>
-            </a:r>
-            <a:r>
-              <a:rPr lang="en-US" sz="3200" dirty="0" err="1" smtClean="0"/>
-              <a:t>använda</a:t>
-            </a:r>
-            <a:r>
-              <a:rPr lang="en-US" sz="3200" dirty="0" smtClean="0"/>
-              <a:t> </a:t>
-            </a:r>
-            <a:r>
-              <a:rPr lang="en-US" sz="3200" dirty="0" err="1" smtClean="0"/>
-              <a:t>guid</a:t>
-            </a:r>
-            <a:r>
-              <a:rPr lang="en-US" sz="3200" dirty="0" smtClean="0"/>
-              <a:t>?</a:t>
-            </a:r>
-            <a:endParaRPr lang="en-US" sz="3200" dirty="0"/>
+            <a:endParaRPr lang="en-US" dirty="0"/>
+          </a:p>
+          <a:p>
+            <a:pPr marL="285750" indent="-285750">
+              <a:buFont typeface="Arial" panose="020B0604020202020204" pitchFamily="34" charset="0"/>
+              <a:buChar char="•"/>
+            </a:pPr>
+            <a:endParaRPr lang="en-US" dirty="0" smtClean="0"/>
+          </a:p>
+          <a:p>
+            <a:pPr marL="285750" indent="-285750">
+              <a:buFont typeface="Arial" panose="020B0604020202020204" pitchFamily="34" charset="0"/>
+              <a:buChar char="•"/>
+            </a:pPr>
+            <a:endParaRPr lang="en-US" dirty="0"/>
+          </a:p>
+          <a:p>
+            <a:pPr marL="285750" indent="-285750">
+              <a:buFont typeface="Arial" panose="020B0604020202020204" pitchFamily="34" charset="0"/>
+              <a:buChar char="•"/>
+            </a:pPr>
+            <a:endParaRPr lang="en-US" dirty="0" smtClean="0"/>
+          </a:p>
+          <a:p>
+            <a:pPr marL="285750" indent="-285750">
+              <a:buFont typeface="Arial" panose="020B0604020202020204" pitchFamily="34" charset="0"/>
+              <a:buChar char="•"/>
+            </a:pPr>
+            <a:r>
+              <a:rPr lang="en-US" dirty="0" smtClean="0"/>
+              <a:t>A relation table between users and roles</a:t>
+            </a:r>
+            <a:endParaRPr lang="en-US" dirty="0"/>
           </a:p>
         </p:txBody>
       </p:sp>
     </p:spTree>
     <p:extLst>
       <p:ext uri="{BB962C8B-B14F-4D97-AF65-F5344CB8AC3E}">
-        <p14:creationId xmlns:p14="http://schemas.microsoft.com/office/powerpoint/2010/main" val="1618427687"/>
+        <p14:creationId xmlns:p14="http://schemas.microsoft.com/office/powerpoint/2010/main" val="3541063250"/>
       </p:ext>
     </p:extLst>
   </p:cSld>
   <p:clrMapOvr>
     <a:masterClrMapping/>
   </p:clrMapOvr>
+  <p:timing>
+    <p:tnLst>
+      <p:par>
+        <p:cTn id="1" dur="indefinite" restart="never" nodeType="tmRoot"/>
+      </p:par>
+    </p:tnLst>
+  </p:timing>
 </p:sld>
 </file>
 
@@ -5717,168 +6104,293 @@
         </p:nvSpPr>
         <p:spPr/>
         <p:txBody>
-          <a:bodyPr>
-            <a:normAutofit fontScale="90000"/>
+          <a:bodyPr/>
+          <a:lstStyle/>
+          <a:p>
+            <a:r>
+              <a:rPr lang="en-US" dirty="0" smtClean="0"/>
+              <a:t>ASP.NET Identity - Database</a:t>
+            </a:r>
+            <a:endParaRPr lang="en-US" dirty="0"/>
+          </a:p>
+        </p:txBody>
+      </p:sp>
+      <p:graphicFrame>
+        <p:nvGraphicFramePr>
+          <p:cNvPr id="4" name="Platshållare för innehåll 3"/>
+          <p:cNvGraphicFramePr>
+            <a:graphicFrameLocks noGrp="1"/>
+          </p:cNvGraphicFramePr>
+          <p:nvPr>
+            <p:ph idx="1"/>
+            <p:extLst>
+              <p:ext uri="{D42A27DB-BD31-4B8C-83A1-F6EECF244321}">
+                <p14:modId xmlns:p14="http://schemas.microsoft.com/office/powerpoint/2010/main" val="1018006582"/>
+              </p:ext>
+            </p:extLst>
+          </p:nvPr>
+        </p:nvGraphicFramePr>
+        <p:xfrm>
+          <a:off x="467544" y="1988840"/>
+          <a:ext cx="5338936" cy="2270760"/>
+        </p:xfrm>
+        <a:graphic>
+          <a:graphicData uri="http://schemas.openxmlformats.org/drawingml/2006/table">
+            <a:tbl>
+              <a:tblPr firstRow="1" bandRow="1">
+                <a:tableStyleId>{5C22544A-7EE6-4342-B048-85BDC9FD1C3A}</a:tableStyleId>
+              </a:tblPr>
+              <a:tblGrid>
+                <a:gridCol w="1872208"/>
+                <a:gridCol w="3466728"/>
+              </a:tblGrid>
+              <a:tr h="370840">
+                <a:tc gridSpan="2">
+                  <a:txBody>
+                    <a:bodyPr/>
+                    <a:lstStyle/>
+                    <a:p>
+                      <a:pPr algn="ctr"/>
+                      <a:r>
+                        <a:rPr lang="en-US" sz="2800" b="1" dirty="0" smtClean="0"/>
+                        <a:t>AspNetUserLogins</a:t>
+                      </a:r>
+                      <a:endParaRPr lang="en-US" sz="2800" b="1" dirty="0"/>
+                    </a:p>
+                  </a:txBody>
+                  <a:tcPr/>
+                </a:tc>
+                <a:tc hMerge="1">
+                  <a:txBody>
+                    <a:bodyPr/>
+                    <a:lstStyle/>
+                    <a:p>
+                      <a:endParaRPr lang="en-US" dirty="0"/>
+                    </a:p>
+                  </a:txBody>
+                  <a:tcPr/>
+                </a:tc>
+              </a:tr>
+              <a:tr h="370840">
+                <a:tc>
+                  <a:txBody>
+                    <a:bodyPr/>
+                    <a:lstStyle/>
+                    <a:p>
+                      <a:r>
+                        <a:rPr lang="en-US" b="1" dirty="0" smtClean="0"/>
+                        <a:t>Column</a:t>
+                      </a:r>
+                      <a:endParaRPr lang="en-US" b="1" dirty="0"/>
+                    </a:p>
+                  </a:txBody>
+                  <a:tcPr/>
+                </a:tc>
+                <a:tc>
+                  <a:txBody>
+                    <a:bodyPr/>
+                    <a:lstStyle/>
+                    <a:p>
+                      <a:r>
+                        <a:rPr lang="en-US" b="1" dirty="0" smtClean="0"/>
+                        <a:t>Description</a:t>
+                      </a:r>
+                      <a:endParaRPr lang="en-US" b="1" dirty="0"/>
+                    </a:p>
+                  </a:txBody>
+                  <a:tcPr/>
+                </a:tc>
+              </a:tr>
+              <a:tr h="370840">
+                <a:tc>
+                  <a:txBody>
+                    <a:bodyPr/>
+                    <a:lstStyle/>
+                    <a:p>
+                      <a:r>
+                        <a:rPr lang="en-US" dirty="0" smtClean="0"/>
+                        <a:t>LoginProvider</a:t>
+                      </a:r>
+                      <a:endParaRPr lang="en-US" dirty="0"/>
+                    </a:p>
+                  </a:txBody>
+                  <a:tcPr/>
+                </a:tc>
+                <a:tc>
+                  <a:txBody>
+                    <a:bodyPr/>
+                    <a:lstStyle/>
+                    <a:p>
+                      <a:r>
+                        <a:rPr lang="en-US" dirty="0" smtClean="0"/>
+                        <a:t>The Login </a:t>
+                      </a:r>
+                      <a:r>
+                        <a:rPr lang="en-US" dirty="0" smtClean="0"/>
+                        <a:t>Provider</a:t>
+                      </a:r>
+                      <a:br>
+                        <a:rPr lang="en-US" dirty="0" smtClean="0"/>
+                      </a:br>
+                      <a:r>
+                        <a:rPr lang="en-US" dirty="0" smtClean="0"/>
+                        <a:t>(</a:t>
+                      </a:r>
+                      <a:r>
+                        <a:rPr lang="en-US" dirty="0" smtClean="0"/>
+                        <a:t>ex.</a:t>
+                      </a:r>
+                      <a:r>
+                        <a:rPr lang="en-US" baseline="0" dirty="0" smtClean="0"/>
+                        <a:t> Google, Facebook</a:t>
+                      </a:r>
+                      <a:r>
+                        <a:rPr lang="en-US" dirty="0" smtClean="0"/>
+                        <a:t>)</a:t>
+                      </a:r>
+                      <a:endParaRPr lang="en-US" dirty="0"/>
+                    </a:p>
+                  </a:txBody>
+                  <a:tcPr/>
+                </a:tc>
+              </a:tr>
+              <a:tr h="370840">
+                <a:tc>
+                  <a:txBody>
+                    <a:bodyPr/>
+                    <a:lstStyle/>
+                    <a:p>
+                      <a:r>
+                        <a:rPr lang="en-US" dirty="0" smtClean="0"/>
+                        <a:t>ProviderKey</a:t>
+                      </a:r>
+                      <a:endParaRPr lang="en-US" dirty="0"/>
+                    </a:p>
+                  </a:txBody>
+                  <a:tcPr/>
+                </a:tc>
+                <a:tc>
+                  <a:txBody>
+                    <a:bodyPr/>
+                    <a:lstStyle/>
+                    <a:p>
+                      <a:r>
+                        <a:rPr lang="en-US" dirty="0" smtClean="0"/>
+                        <a:t>Provider</a:t>
+                      </a:r>
+                      <a:r>
+                        <a:rPr lang="en-US" baseline="0" dirty="0" smtClean="0"/>
+                        <a:t> specific ID for the user</a:t>
+                      </a:r>
+                      <a:endParaRPr lang="en-US" dirty="0"/>
+                    </a:p>
+                  </a:txBody>
+                  <a:tcPr/>
+                </a:tc>
+              </a:tr>
+              <a:tr h="370840">
+                <a:tc>
+                  <a:txBody>
+                    <a:bodyPr/>
+                    <a:lstStyle/>
+                    <a:p>
+                      <a:r>
+                        <a:rPr lang="en-US" dirty="0" smtClean="0"/>
+                        <a:t>UserId</a:t>
+                      </a:r>
+                      <a:endParaRPr lang="en-US" dirty="0"/>
+                    </a:p>
+                  </a:txBody>
+                  <a:tcPr/>
+                </a:tc>
+                <a:tc>
+                  <a:txBody>
+                    <a:bodyPr/>
+                    <a:lstStyle/>
+                    <a:p>
+                      <a:r>
+                        <a:rPr lang="en-US" dirty="0" smtClean="0"/>
+                        <a:t>The</a:t>
+                      </a:r>
+                      <a:r>
+                        <a:rPr lang="en-US" baseline="0" dirty="0" smtClean="0"/>
+                        <a:t> Users ID</a:t>
+                      </a:r>
+                      <a:endParaRPr lang="en-US" dirty="0"/>
+                    </a:p>
+                  </a:txBody>
+                  <a:tcPr/>
+                </a:tc>
+              </a:tr>
+            </a:tbl>
+          </a:graphicData>
+        </a:graphic>
+      </p:graphicFrame>
+      <p:sp>
+        <p:nvSpPr>
+          <p:cNvPr id="6" name="textruta 5"/>
+          <p:cNvSpPr txBox="1"/>
+          <p:nvPr/>
+        </p:nvSpPr>
+        <p:spPr>
+          <a:xfrm>
+            <a:off x="6012160" y="1988840"/>
+            <a:ext cx="2448272" cy="923330"/>
+          </a:xfrm>
+          <a:prstGeom prst="rect">
+            <a:avLst/>
+          </a:prstGeom>
+          <a:noFill/>
+        </p:spPr>
+        <p:txBody>
+          <a:bodyPr wrap="square" rtlCol="0">
+            <a:spAutoFit/>
           </a:bodyPr>
           <a:lstStyle/>
           <a:p>
-            <a:r>
-              <a:rPr lang="en-US" sz="3200" b="1" dirty="0"/>
-              <a:t>ASP.NET Identity - Database</a:t>
+            <a:pPr marL="285750" indent="-285750">
+              <a:buFont typeface="Arial" panose="020B0604020202020204" pitchFamily="34" charset="0"/>
+              <a:buChar char="•"/>
+            </a:pPr>
+            <a:r>
+              <a:rPr lang="en-US" dirty="0" smtClean="0"/>
+              <a:t>Table used to store external </a:t>
+            </a:r>
+            <a:r>
+              <a:rPr lang="en-US" dirty="0" smtClean="0"/>
+              <a:t>logins</a:t>
+            </a:r>
+          </a:p>
+          <a:p>
+            <a:pPr marL="285750" indent="-285750">
+              <a:buFont typeface="Arial" panose="020B0604020202020204" pitchFamily="34" charset="0"/>
+              <a:buChar char="•"/>
+            </a:pPr>
+            <a:r>
+              <a:rPr lang="en-US" dirty="0" smtClean="0"/>
+              <a:t>Empty by default …</a:t>
             </a:r>
             <a:endParaRPr lang="en-US" dirty="0"/>
-          </a:p>
-        </p:txBody>
-      </p:sp>
-      <p:sp>
-        <p:nvSpPr>
-          <p:cNvPr id="3" name="Platshållare för innehåll 2"/>
-          <p:cNvSpPr>
-            <a:spLocks noGrp="1"/>
-          </p:cNvSpPr>
-          <p:nvPr>
-            <p:ph idx="1"/>
-          </p:nvPr>
-        </p:nvSpPr>
-        <p:spPr>
-          <a:xfrm>
-            <a:off x="457199" y="1600200"/>
-            <a:ext cx="8686343" cy="4565104"/>
-          </a:xfrm>
-        </p:spPr>
-        <p:txBody>
-          <a:bodyPr>
-            <a:normAutofit/>
-          </a:bodyPr>
-          <a:lstStyle/>
-          <a:p>
-            <a:pPr marL="0" indent="0">
-              <a:buNone/>
-            </a:pPr>
-            <a:r>
-              <a:rPr lang="en-US" sz="3600" dirty="0" smtClean="0"/>
-              <a:t>Password hasher in ASP.NET Identity </a:t>
-            </a:r>
-          </a:p>
-          <a:p>
-            <a:pPr marL="0" indent="0">
-              <a:buNone/>
-            </a:pPr>
-            <a:endParaRPr lang="en-US" dirty="0" smtClean="0"/>
-          </a:p>
-          <a:p>
-            <a:pPr marL="0" indent="0">
-              <a:buNone/>
-            </a:pPr>
-            <a:r>
-              <a:rPr lang="en-US" dirty="0" smtClean="0"/>
-              <a:t>ASP.NET Identity uses </a:t>
-            </a:r>
-            <a:r>
-              <a:rPr lang="en-US" b="1" dirty="0" smtClean="0">
-                <a:solidFill>
-                  <a:srgbClr val="77933C"/>
-                </a:solidFill>
-              </a:rPr>
-              <a:t>Password based key Derivation Function 2. </a:t>
-            </a:r>
-          </a:p>
-          <a:p>
-            <a:pPr marL="0" indent="0">
-              <a:buNone/>
-            </a:pPr>
-            <a:r>
-              <a:rPr lang="en-US" b="1" dirty="0" err="1" smtClean="0">
-                <a:solidFill>
-                  <a:srgbClr val="77933C"/>
-                </a:solidFill>
-              </a:rPr>
-              <a:t>Används</a:t>
-            </a:r>
-            <a:r>
-              <a:rPr lang="en-US" b="1" dirty="0" smtClean="0">
-                <a:solidFill>
-                  <a:srgbClr val="77933C"/>
-                </a:solidFill>
-              </a:rPr>
-              <a:t> per default </a:t>
-            </a:r>
-            <a:r>
-              <a:rPr lang="en-US" b="1" dirty="0" err="1" smtClean="0">
-                <a:solidFill>
-                  <a:srgbClr val="77933C"/>
-                </a:solidFill>
-              </a:rPr>
-              <a:t>går</a:t>
-            </a:r>
-            <a:r>
-              <a:rPr lang="en-US" b="1" dirty="0" smtClean="0">
-                <a:solidFill>
-                  <a:srgbClr val="77933C"/>
-                </a:solidFill>
-              </a:rPr>
-              <a:t> </a:t>
-            </a:r>
-            <a:r>
-              <a:rPr lang="en-US" b="1" dirty="0" err="1" smtClean="0">
-                <a:solidFill>
-                  <a:srgbClr val="77933C"/>
-                </a:solidFill>
-              </a:rPr>
-              <a:t>att</a:t>
-            </a:r>
-            <a:r>
-              <a:rPr lang="en-US" b="1" dirty="0" smtClean="0">
-                <a:solidFill>
-                  <a:srgbClr val="77933C"/>
-                </a:solidFill>
-              </a:rPr>
-              <a:t> </a:t>
-            </a:r>
-            <a:r>
-              <a:rPr lang="en-US" b="1" dirty="0" err="1" smtClean="0">
-                <a:solidFill>
-                  <a:srgbClr val="77933C"/>
-                </a:solidFill>
-              </a:rPr>
-              <a:t>ändra</a:t>
-            </a:r>
-            <a:endParaRPr lang="en-US" b="1" dirty="0">
-              <a:solidFill>
-                <a:srgbClr val="77933C"/>
-              </a:solidFill>
-            </a:endParaRPr>
-          </a:p>
-          <a:p>
-            <a:pPr marL="0" indent="0">
-              <a:buNone/>
-            </a:pPr>
-            <a:r>
-              <a:rPr lang="en-US" dirty="0" smtClean="0"/>
-              <a:t>The password is salted and hashed….</a:t>
-            </a:r>
-            <a:r>
-              <a:rPr lang="en-US" dirty="0"/>
-              <a:t> </a:t>
-            </a:r>
-            <a:endParaRPr lang="en-US" b="1" dirty="0">
-              <a:solidFill>
-                <a:srgbClr val="77933C"/>
-              </a:solidFill>
-            </a:endParaRPr>
           </a:p>
         </p:txBody>
       </p:sp>
     </p:spTree>
     <p:extLst>
       <p:ext uri="{BB962C8B-B14F-4D97-AF65-F5344CB8AC3E}">
-        <p14:creationId xmlns:p14="http://schemas.microsoft.com/office/powerpoint/2010/main" val="333067070"/>
+        <p14:creationId xmlns:p14="http://schemas.microsoft.com/office/powerpoint/2010/main" val="3596939256"/>
       </p:ext>
     </p:extLst>
   </p:cSld>
   <p:clrMapOvr>
     <a:masterClrMapping/>
   </p:clrMapOvr>
+  <p:timing>
+    <p:tnLst>
+      <p:par>
+        <p:cTn id="1" dur="indefinite" restart="never" nodeType="tmRoot"/>
+      </p:par>
+    </p:tnLst>
+  </p:timing>
 </p:sld>
 </file>
 
@@ -5911,91 +6423,286 @@
         </p:nvSpPr>
         <p:spPr/>
         <p:txBody>
-          <a:bodyPr>
-            <a:normAutofit fontScale="90000"/>
-          </a:bodyPr>
-          <a:lstStyle/>
-          <a:p>
-            <a:r>
-              <a:rPr lang="en-US" sz="3200" b="1" dirty="0"/>
-              <a:t>ASP.NET Identity</a:t>
-            </a:r>
-            <a:endParaRPr lang="en-US" dirty="0"/>
-          </a:p>
-        </p:txBody>
-      </p:sp>
-      <p:sp>
-        <p:nvSpPr>
-          <p:cNvPr id="3" name="Platshållare för innehåll 2"/>
-          <p:cNvSpPr>
-            <a:spLocks noGrp="1"/>
-          </p:cNvSpPr>
-          <p:nvPr>
-            <p:ph idx="1"/>
-          </p:nvPr>
-        </p:nvSpPr>
-        <p:spPr/>
-        <p:txBody>
           <a:bodyPr/>
           <a:lstStyle/>
           <a:p>
-            <a:pPr marL="0" indent="0">
-              <a:buNone/>
-            </a:pPr>
             <a:r>
               <a:rPr lang="en-US" dirty="0" smtClean="0"/>
-              <a:t>When we run the application the </a:t>
-            </a:r>
-            <a:r>
-              <a:rPr lang="en-US" b="1" dirty="0" smtClean="0">
-                <a:solidFill>
-                  <a:srgbClr val="77933C"/>
-                </a:solidFill>
-              </a:rPr>
-              <a:t>IdentityDbContext</a:t>
-            </a:r>
-            <a:r>
-              <a:rPr lang="en-US" dirty="0" smtClean="0"/>
-              <a:t> will create tables in our database</a:t>
+              <a:t>ASP.NET Identity - Database</a:t>
             </a:r>
             <a:endParaRPr lang="en-US" dirty="0"/>
           </a:p>
         </p:txBody>
       </p:sp>
-      <p:pic>
-        <p:nvPicPr>
-          <p:cNvPr id="4" name="Bildobjekt 3"/>
-          <p:cNvPicPr>
-            <a:picLocks noChangeAspect="1"/>
-          </p:cNvPicPr>
+      <p:graphicFrame>
+        <p:nvGraphicFramePr>
+          <p:cNvPr id="4" name="Platshållare för innehåll 3"/>
+          <p:cNvGraphicFramePr>
+            <a:graphicFrameLocks noGrp="1"/>
+          </p:cNvGraphicFramePr>
+          <p:nvPr>
+            <p:ph idx="1"/>
+            <p:extLst>
+              <p:ext uri="{D42A27DB-BD31-4B8C-83A1-F6EECF244321}">
+                <p14:modId xmlns:p14="http://schemas.microsoft.com/office/powerpoint/2010/main" val="2057406839"/>
+              </p:ext>
+            </p:extLst>
+          </p:nvPr>
+        </p:nvGraphicFramePr>
+        <p:xfrm>
+          <a:off x="457200" y="1600200"/>
+          <a:ext cx="5338936" cy="2372360"/>
+        </p:xfrm>
+        <a:graphic>
+          <a:graphicData uri="http://schemas.openxmlformats.org/drawingml/2006/table">
+            <a:tbl>
+              <a:tblPr firstRow="1" bandRow="1">
+                <a:tableStyleId>{5C22544A-7EE6-4342-B048-85BDC9FD1C3A}</a:tableStyleId>
+              </a:tblPr>
+              <a:tblGrid>
+                <a:gridCol w="2352396"/>
+                <a:gridCol w="2986540"/>
+              </a:tblGrid>
+              <a:tr h="370840">
+                <a:tc gridSpan="2">
+                  <a:txBody>
+                    <a:bodyPr/>
+                    <a:lstStyle/>
+                    <a:p>
+                      <a:pPr algn="ctr"/>
+                      <a:r>
+                        <a:rPr lang="en-US" sz="2800" dirty="0" smtClean="0"/>
+                        <a:t>AspNetUserClaims</a:t>
+                      </a:r>
+                      <a:endParaRPr lang="en-US" sz="2800" dirty="0"/>
+                    </a:p>
+                  </a:txBody>
+                  <a:tcPr/>
+                </a:tc>
+                <a:tc hMerge="1">
+                  <a:txBody>
+                    <a:bodyPr/>
+                    <a:lstStyle/>
+                    <a:p>
+                      <a:endParaRPr lang="en-US" dirty="0"/>
+                    </a:p>
+                  </a:txBody>
+                  <a:tcPr/>
+                </a:tc>
+              </a:tr>
+              <a:tr h="370840">
+                <a:tc>
+                  <a:txBody>
+                    <a:bodyPr/>
+                    <a:lstStyle/>
+                    <a:p>
+                      <a:r>
+                        <a:rPr lang="en-US" b="1" dirty="0" smtClean="0"/>
+                        <a:t>Column</a:t>
+                      </a:r>
+                      <a:endParaRPr lang="en-US" b="1" dirty="0"/>
+                    </a:p>
+                  </a:txBody>
+                  <a:tcPr/>
+                </a:tc>
+                <a:tc>
+                  <a:txBody>
+                    <a:bodyPr/>
+                    <a:lstStyle/>
+                    <a:p>
+                      <a:r>
+                        <a:rPr lang="en-US" b="1" dirty="0" smtClean="0"/>
+                        <a:t>Description</a:t>
+                      </a:r>
+                      <a:endParaRPr lang="en-US" b="1" dirty="0"/>
+                    </a:p>
+                  </a:txBody>
+                  <a:tcPr/>
+                </a:tc>
+              </a:tr>
+              <a:tr h="370840">
+                <a:tc>
+                  <a:txBody>
+                    <a:bodyPr/>
+                    <a:lstStyle/>
+                    <a:p>
+                      <a:r>
+                        <a:rPr lang="en-US" dirty="0" smtClean="0"/>
+                        <a:t>Id</a:t>
+                      </a:r>
+                      <a:endParaRPr lang="en-US" dirty="0"/>
+                    </a:p>
+                  </a:txBody>
+                  <a:tcPr/>
+                </a:tc>
+                <a:tc>
+                  <a:txBody>
+                    <a:bodyPr/>
+                    <a:lstStyle/>
+                    <a:p>
+                      <a:r>
+                        <a:rPr lang="en-US" dirty="0" smtClean="0"/>
+                        <a:t>A</a:t>
+                      </a:r>
+                      <a:r>
+                        <a:rPr lang="en-US" baseline="0" dirty="0" smtClean="0"/>
+                        <a:t>n auto incrementing ID</a:t>
+                      </a:r>
+                      <a:endParaRPr lang="en-US" dirty="0"/>
+                    </a:p>
+                  </a:txBody>
+                  <a:tcPr/>
+                </a:tc>
+              </a:tr>
+              <a:tr h="370840">
+                <a:tc>
+                  <a:txBody>
+                    <a:bodyPr/>
+                    <a:lstStyle/>
+                    <a:p>
+                      <a:r>
+                        <a:rPr lang="en-US" dirty="0" smtClean="0"/>
+                        <a:t>UserId</a:t>
+                      </a:r>
+                      <a:endParaRPr lang="en-US" dirty="0"/>
+                    </a:p>
+                  </a:txBody>
+                  <a:tcPr/>
+                </a:tc>
+                <a:tc>
+                  <a:txBody>
+                    <a:bodyPr/>
+                    <a:lstStyle/>
+                    <a:p>
+                      <a:r>
+                        <a:rPr lang="en-US" dirty="0" smtClean="0"/>
+                        <a:t>The users ID</a:t>
+                      </a:r>
+                      <a:endParaRPr lang="en-US" dirty="0"/>
+                    </a:p>
+                  </a:txBody>
+                  <a:tcPr/>
+                </a:tc>
+              </a:tr>
+              <a:tr h="370840">
+                <a:tc>
+                  <a:txBody>
+                    <a:bodyPr/>
+                    <a:lstStyle/>
+                    <a:p>
+                      <a:r>
+                        <a:rPr lang="en-US" dirty="0" smtClean="0"/>
+                        <a:t>ClaimType</a:t>
+                      </a:r>
+                      <a:endParaRPr lang="en-US" dirty="0"/>
+                    </a:p>
+                  </a:txBody>
+                  <a:tcPr/>
+                </a:tc>
+                <a:tc>
+                  <a:txBody>
+                    <a:bodyPr/>
+                    <a:lstStyle/>
+                    <a:p>
+                      <a:r>
+                        <a:rPr lang="en-US" dirty="0" smtClean="0"/>
+                        <a:t>The type of the claim</a:t>
+                      </a:r>
+                      <a:endParaRPr lang="en-US" dirty="0"/>
+                    </a:p>
+                  </a:txBody>
+                  <a:tcPr/>
+                </a:tc>
+              </a:tr>
+              <a:tr h="370840">
+                <a:tc>
+                  <a:txBody>
+                    <a:bodyPr/>
+                    <a:lstStyle/>
+                    <a:p>
+                      <a:r>
+                        <a:rPr lang="en-US" dirty="0" smtClean="0"/>
+                        <a:t>ClaimValue</a:t>
+                      </a:r>
+                      <a:endParaRPr lang="en-US" dirty="0"/>
+                    </a:p>
+                  </a:txBody>
+                  <a:tcPr/>
+                </a:tc>
+                <a:tc>
+                  <a:txBody>
+                    <a:bodyPr/>
+                    <a:lstStyle/>
+                    <a:p>
+                      <a:r>
+                        <a:rPr lang="en-US" dirty="0" smtClean="0"/>
+                        <a:t>The value of the claim</a:t>
+                      </a:r>
+                      <a:endParaRPr lang="en-US" dirty="0"/>
+                    </a:p>
+                  </a:txBody>
+                  <a:tcPr/>
+                </a:tc>
+              </a:tr>
+            </a:tbl>
+          </a:graphicData>
+        </a:graphic>
+      </p:graphicFrame>
+      <p:sp>
+        <p:nvSpPr>
+          <p:cNvPr id="5" name="textruta 4"/>
+          <p:cNvSpPr txBox="1"/>
           <p:nvPr/>
-        </p:nvPicPr>
-        <p:blipFill>
-          <a:blip r:embed="rId2">
-            <a:extLst>
-              <a:ext uri="{28A0092B-C50C-407E-A947-70E740481C1C}">
-                <a14:useLocalDpi xmlns:a14="http://schemas.microsoft.com/office/drawing/2010/main" val="0"/>
-              </a:ext>
-            </a:extLst>
-          </a:blip>
-          <a:stretch>
-            <a:fillRect/>
-          </a:stretch>
-        </p:blipFill>
+        </p:nvSpPr>
         <p:spPr>
           <a:xfrm>
-            <a:off x="611560" y="3257495"/>
-            <a:ext cx="3600400" cy="2763793"/>
+            <a:off x="6012160" y="1700808"/>
+            <a:ext cx="2952328" cy="923330"/>
           </a:xfrm>
           <a:prstGeom prst="rect">
             <a:avLst/>
           </a:prstGeom>
+          <a:noFill/>
         </p:spPr>
-      </p:pic>
+        <p:txBody>
+          <a:bodyPr wrap="square" rtlCol="0">
+            <a:spAutoFit/>
+          </a:bodyPr>
+          <a:lstStyle/>
+          <a:p>
+            <a:pPr marL="285750" indent="-285750">
+              <a:buFont typeface="Arial" panose="020B0604020202020204" pitchFamily="34" charset="0"/>
+              <a:buChar char="•"/>
+            </a:pPr>
+            <a:r>
+              <a:rPr lang="en-US" dirty="0" smtClean="0"/>
+              <a:t>Table used to store </a:t>
+            </a:r>
+            <a:r>
+              <a:rPr lang="en-US" dirty="0" smtClean="0"/>
+              <a:t>claims</a:t>
+            </a:r>
+          </a:p>
+          <a:p>
+            <a:pPr marL="285750" indent="-285750">
+              <a:buFont typeface="Arial" panose="020B0604020202020204" pitchFamily="34" charset="0"/>
+              <a:buChar char="•"/>
+            </a:pPr>
+            <a:endParaRPr lang="en-US" dirty="0"/>
+          </a:p>
+          <a:p>
+            <a:r>
+              <a:rPr lang="en-US" dirty="0" smtClean="0"/>
+              <a:t>… dummy data </a:t>
+            </a:r>
+            <a:endParaRPr lang="en-US" dirty="0"/>
+          </a:p>
+        </p:txBody>
+      </p:sp>
     </p:spTree>
     <p:extLst>
       <p:ext uri="{BB962C8B-B14F-4D97-AF65-F5344CB8AC3E}">
-        <p14:creationId xmlns:p14="http://schemas.microsoft.com/office/powerpoint/2010/main" val="412948759"/>
+        <p14:creationId xmlns:p14="http://schemas.microsoft.com/office/powerpoint/2010/main" val="898253676"/>
       </p:ext>
     </p:extLst>
   </p:cSld>
@@ -6045,230 +6752,233 @@
           <a:lstStyle/>
           <a:p>
             <a:r>
-              <a:rPr lang="en-US" sz="2800" b="1" dirty="0"/>
-              <a:t>ASP.NET Identity</a:t>
+              <a:rPr lang="en-US" dirty="0" smtClean="0"/>
+              <a:t>ASP.NET Identity - Database</a:t>
             </a:r>
             <a:endParaRPr lang="en-US" dirty="0"/>
           </a:p>
         </p:txBody>
       </p:sp>
-      <p:sp>
-        <p:nvSpPr>
-          <p:cNvPr id="3" name="Platshållare för innehåll 2"/>
-          <p:cNvSpPr>
-            <a:spLocks noGrp="1"/>
-          </p:cNvSpPr>
+      <p:graphicFrame>
+        <p:nvGraphicFramePr>
+          <p:cNvPr id="4" name="Platshållare för innehåll 3"/>
+          <p:cNvGraphicFramePr>
+            <a:graphicFrameLocks noGrp="1"/>
+          </p:cNvGraphicFramePr>
           <p:nvPr>
             <p:ph idx="1"/>
-          </p:nvPr>
+            <p:extLst>
+              <p:ext uri="{D42A27DB-BD31-4B8C-83A1-F6EECF244321}">
+                <p14:modId xmlns:p14="http://schemas.microsoft.com/office/powerpoint/2010/main" val="4048077276"/>
+              </p:ext>
+            </p:extLst>
+          </p:nvPr>
+        </p:nvGraphicFramePr>
+        <p:xfrm>
+          <a:off x="457200" y="1600200"/>
+          <a:ext cx="4906888" cy="2372360"/>
+        </p:xfrm>
+        <a:graphic>
+          <a:graphicData uri="http://schemas.openxmlformats.org/drawingml/2006/table">
+            <a:tbl>
+              <a:tblPr firstRow="1" bandRow="1">
+                <a:tableStyleId>{5C22544A-7EE6-4342-B048-85BDC9FD1C3A}</a:tableStyleId>
+              </a:tblPr>
+              <a:tblGrid>
+                <a:gridCol w="2242592"/>
+                <a:gridCol w="2664296"/>
+              </a:tblGrid>
+              <a:tr h="370840">
+                <a:tc gridSpan="2">
+                  <a:txBody>
+                    <a:bodyPr/>
+                    <a:lstStyle/>
+                    <a:p>
+                      <a:pPr algn="ctr"/>
+                      <a:r>
+                        <a:rPr lang="en-US" sz="2800" dirty="0" smtClean="0"/>
+                        <a:t>_MigrationHistory</a:t>
+                      </a:r>
+                      <a:endParaRPr lang="en-US" sz="2800" dirty="0"/>
+                    </a:p>
+                  </a:txBody>
+                  <a:tcPr/>
+                </a:tc>
+                <a:tc hMerge="1">
+                  <a:txBody>
+                    <a:bodyPr/>
+                    <a:lstStyle/>
+                    <a:p>
+                      <a:endParaRPr lang="en-US" dirty="0"/>
+                    </a:p>
+                  </a:txBody>
+                  <a:tcPr/>
+                </a:tc>
+              </a:tr>
+              <a:tr h="370840">
+                <a:tc>
+                  <a:txBody>
+                    <a:bodyPr/>
+                    <a:lstStyle/>
+                    <a:p>
+                      <a:r>
+                        <a:rPr lang="en-US" b="1" dirty="0" smtClean="0"/>
+                        <a:t>Column</a:t>
+                      </a:r>
+                      <a:endParaRPr lang="en-US" b="1" dirty="0"/>
+                    </a:p>
+                  </a:txBody>
+                  <a:tcPr/>
+                </a:tc>
+                <a:tc>
+                  <a:txBody>
+                    <a:bodyPr/>
+                    <a:lstStyle/>
+                    <a:p>
+                      <a:r>
+                        <a:rPr lang="en-US" b="1" dirty="0" smtClean="0"/>
+                        <a:t>Description</a:t>
+                      </a:r>
+                      <a:endParaRPr lang="en-US" b="1" dirty="0"/>
+                    </a:p>
+                  </a:txBody>
+                  <a:tcPr/>
+                </a:tc>
+              </a:tr>
+              <a:tr h="370840">
+                <a:tc>
+                  <a:txBody>
+                    <a:bodyPr/>
+                    <a:lstStyle/>
+                    <a:p>
+                      <a:r>
+                        <a:rPr lang="en-US" dirty="0" smtClean="0"/>
+                        <a:t>MigrationId</a:t>
+                      </a:r>
+                      <a:endParaRPr lang="en-US" dirty="0"/>
+                    </a:p>
+                  </a:txBody>
+                  <a:tcPr/>
+                </a:tc>
+                <a:tc>
+                  <a:txBody>
+                    <a:bodyPr/>
+                    <a:lstStyle/>
+                    <a:p>
+                      <a:r>
+                        <a:rPr lang="en-US" dirty="0" smtClean="0"/>
+                        <a:t>ID for migration</a:t>
+                      </a:r>
+                      <a:endParaRPr lang="en-US" dirty="0"/>
+                    </a:p>
+                  </a:txBody>
+                  <a:tcPr/>
+                </a:tc>
+              </a:tr>
+              <a:tr h="370840">
+                <a:tc>
+                  <a:txBody>
+                    <a:bodyPr/>
+                    <a:lstStyle/>
+                    <a:p>
+                      <a:r>
+                        <a:rPr lang="en-US" dirty="0" smtClean="0"/>
+                        <a:t>ContextKey</a:t>
+                      </a:r>
+                      <a:endParaRPr lang="en-US" dirty="0"/>
+                    </a:p>
+                  </a:txBody>
+                  <a:tcPr/>
+                </a:tc>
+                <a:tc>
+                  <a:txBody>
+                    <a:bodyPr/>
+                    <a:lstStyle/>
+                    <a:p>
+                      <a:r>
+                        <a:rPr lang="en-US" dirty="0" smtClean="0"/>
+                        <a:t>Key for database context</a:t>
+                      </a:r>
+                      <a:endParaRPr lang="en-US" dirty="0"/>
+                    </a:p>
+                  </a:txBody>
+                  <a:tcPr/>
+                </a:tc>
+              </a:tr>
+              <a:tr h="370840">
+                <a:tc>
+                  <a:txBody>
+                    <a:bodyPr/>
+                    <a:lstStyle/>
+                    <a:p>
+                      <a:r>
+                        <a:rPr lang="en-US" dirty="0" smtClean="0"/>
+                        <a:t>Model</a:t>
+                      </a:r>
+                      <a:endParaRPr lang="en-US" dirty="0"/>
+                    </a:p>
+                  </a:txBody>
+                  <a:tcPr/>
+                </a:tc>
+                <a:tc>
+                  <a:txBody>
+                    <a:bodyPr/>
+                    <a:lstStyle/>
+                    <a:p>
+                      <a:r>
+                        <a:rPr lang="en-US" dirty="0" smtClean="0"/>
+                        <a:t>?</a:t>
+                      </a:r>
+                      <a:endParaRPr lang="en-US" dirty="0"/>
+                    </a:p>
+                  </a:txBody>
+                  <a:tcPr/>
+                </a:tc>
+              </a:tr>
+              <a:tr h="370840">
+                <a:tc>
+                  <a:txBody>
+                    <a:bodyPr/>
+                    <a:lstStyle/>
+                    <a:p>
+                      <a:r>
+                        <a:rPr lang="en-US" dirty="0" smtClean="0"/>
+                        <a:t>ProductVersion</a:t>
+                      </a:r>
+                      <a:endParaRPr lang="en-US" dirty="0"/>
+                    </a:p>
+                  </a:txBody>
+                  <a:tcPr/>
+                </a:tc>
+                <a:tc>
+                  <a:txBody>
+                    <a:bodyPr/>
+                    <a:lstStyle/>
+                    <a:p>
+                      <a:r>
+                        <a:rPr lang="en-US" dirty="0" smtClean="0"/>
+                        <a:t>Entity Framework version</a:t>
+                      </a:r>
+                      <a:endParaRPr lang="en-US" dirty="0"/>
+                    </a:p>
+                  </a:txBody>
+                  <a:tcPr/>
+                </a:tc>
+              </a:tr>
+            </a:tbl>
+          </a:graphicData>
+        </a:graphic>
+      </p:graphicFrame>
+      <p:sp>
+        <p:nvSpPr>
+          <p:cNvPr id="5" name="textruta 4"/>
+          <p:cNvSpPr txBox="1"/>
+          <p:nvPr/>
         </p:nvSpPr>
         <p:spPr>
           <a:xfrm>
-            <a:off x="107504" y="692696"/>
-            <a:ext cx="9036039" cy="5361459"/>
-          </a:xfrm>
-        </p:spPr>
-        <p:txBody>
-          <a:bodyPr>
-            <a:normAutofit/>
-          </a:bodyPr>
-          <a:lstStyle/>
-          <a:p>
-            <a:r>
-              <a:rPr lang="en-US" sz="2100" dirty="0"/>
-              <a:t>d</a:t>
-            </a:r>
-            <a:r>
-              <a:rPr lang="en-US" sz="2100" dirty="0" smtClean="0"/>
-              <a:t>bo.AspNetUsers contains all the users</a:t>
-            </a:r>
-          </a:p>
-          <a:p>
-            <a:r>
-              <a:rPr lang="en-US" sz="2100" dirty="0" smtClean="0"/>
-              <a:t>dbo.AspNetRoles contains all the roles</a:t>
-            </a:r>
-          </a:p>
-          <a:p>
-            <a:r>
-              <a:rPr lang="en-US" sz="2100" dirty="0" smtClean="0"/>
-              <a:t>dbo.AspNetUserRoles contains the relations between users and roles </a:t>
-            </a:r>
-          </a:p>
-          <a:p>
-            <a:r>
-              <a:rPr lang="en-US" sz="2100" dirty="0" smtClean="0"/>
-              <a:t>dbo.AspNetUserClaims contains all the claims which belong to a specific user</a:t>
-            </a:r>
-          </a:p>
-          <a:p>
-            <a:r>
-              <a:rPr lang="en-US" sz="2100" dirty="0" smtClean="0"/>
-              <a:t>dbo.AspNetUserLogins contains all the users who login using an external login</a:t>
-            </a:r>
-          </a:p>
-          <a:p>
-            <a:r>
-              <a:rPr lang="en-US" sz="2100" dirty="0" smtClean="0"/>
-              <a:t>dbo.MigrationHistory contains all the performed database migrations</a:t>
-            </a:r>
-          </a:p>
-          <a:p>
-            <a:pPr marL="0" indent="0">
-              <a:buNone/>
-            </a:pPr>
-            <a:r>
-              <a:rPr lang="en-US" sz="2000" dirty="0" smtClean="0"/>
-              <a:t>?? </a:t>
-            </a:r>
-            <a:r>
-              <a:rPr lang="en-US" sz="2000" dirty="0" err="1" smtClean="0"/>
-              <a:t>Höra</a:t>
-            </a:r>
-            <a:r>
-              <a:rPr lang="en-US" sz="2000" dirty="0" smtClean="0"/>
-              <a:t> med tore</a:t>
-            </a:r>
-          </a:p>
-          <a:p>
-            <a:pPr marL="0" indent="0">
-              <a:buNone/>
-            </a:pPr>
-            <a:endParaRPr lang="en-US" sz="2000" dirty="0" smtClean="0"/>
-          </a:p>
-        </p:txBody>
-      </p:sp>
-      <p:pic>
-        <p:nvPicPr>
-          <p:cNvPr id="4" name="Bildobjekt 3"/>
-          <p:cNvPicPr>
-            <a:picLocks noChangeAspect="1"/>
-          </p:cNvPicPr>
-          <p:nvPr/>
-        </p:nvPicPr>
-        <p:blipFill>
-          <a:blip r:embed="rId2">
-            <a:extLst>
-              <a:ext uri="{28A0092B-C50C-407E-A947-70E740481C1C}">
-                <a14:useLocalDpi xmlns:a14="http://schemas.microsoft.com/office/drawing/2010/main" val="0"/>
-              </a:ext>
-            </a:extLst>
-          </a:blip>
-          <a:stretch>
-            <a:fillRect/>
-          </a:stretch>
-        </p:blipFill>
-        <p:spPr>
-          <a:xfrm>
-            <a:off x="611560" y="3617535"/>
-            <a:ext cx="3600400" cy="2763793"/>
-          </a:xfrm>
-          <a:prstGeom prst="rect">
-            <a:avLst/>
-          </a:prstGeom>
-        </p:spPr>
-      </p:pic>
-    </p:spTree>
-    <p:extLst>
-      <p:ext uri="{BB962C8B-B14F-4D97-AF65-F5344CB8AC3E}">
-        <p14:creationId xmlns:p14="http://schemas.microsoft.com/office/powerpoint/2010/main" val="2687146684"/>
-      </p:ext>
-    </p:extLst>
-  </p:cSld>
-  <p:clrMapOvr>
-    <a:masterClrMapping/>
-  </p:clrMapOvr>
-  <p:timing>
-    <p:tnLst>
-      <p:par>
-        <p:cTn id="1" dur="indefinite" restart="never" nodeType="tmRoot"/>
-      </p:par>
-    </p:tnLst>
-  </p:timing>
-</p:sld>
-</file>
-
-<file path=ppt/slides/slide9.xml><?xml version="1.0" encoding="utf-8"?>
-<p:sld xmlns:a="http://schemas.openxmlformats.org/drawingml/2006/main" xmlns:r="http://schemas.openxmlformats.org/officeDocument/2006/relationships" xmlns:p="http://schemas.openxmlformats.org/presentationml/2006/main">
-  <p:cSld>
-    <p:spTree>
-      <p:nvGrpSpPr>
-        <p:cNvPr id="1" name=""/>
-        <p:cNvGrpSpPr/>
-        <p:nvPr/>
-      </p:nvGrpSpPr>
-      <p:grpSpPr>
-        <a:xfrm>
-          <a:off x="0" y="0"/>
-          <a:ext cx="0" cy="0"/>
-          <a:chOff x="0" y="0"/>
-          <a:chExt cx="0" cy="0"/>
-        </a:xfrm>
-      </p:grpSpPr>
-      <p:sp>
-        <p:nvSpPr>
-          <p:cNvPr id="2" name="Rubrik 1"/>
-          <p:cNvSpPr>
-            <a:spLocks noGrp="1"/>
-          </p:cNvSpPr>
-          <p:nvPr>
-            <p:ph type="title"/>
-          </p:nvPr>
-        </p:nvSpPr>
-        <p:spPr/>
-        <p:txBody>
-          <a:bodyPr>
-            <a:normAutofit fontScale="90000"/>
-          </a:bodyPr>
-          <a:lstStyle/>
-          <a:p>
-            <a:r>
-              <a:rPr lang="en-US" sz="3200" b="1" dirty="0"/>
-              <a:t>ASP.NET Identity</a:t>
-            </a:r>
-            <a:endParaRPr lang="en-US" dirty="0"/>
-          </a:p>
-        </p:txBody>
-      </p:sp>
-      <p:pic>
-        <p:nvPicPr>
-          <p:cNvPr id="4" name="Platshållare för innehåll 3"/>
-          <p:cNvPicPr>
-            <a:picLocks noGrp="1" noChangeAspect="1"/>
-          </p:cNvPicPr>
-          <p:nvPr>
-            <p:ph idx="1"/>
-          </p:nvPr>
-        </p:nvPicPr>
-        <p:blipFill>
-          <a:blip r:embed="rId3">
-            <a:extLst>
-              <a:ext uri="{28A0092B-C50C-407E-A947-70E740481C1C}">
-                <a14:useLocalDpi xmlns:a14="http://schemas.microsoft.com/office/drawing/2010/main" val="0"/>
-              </a:ext>
-            </a:extLst>
-          </a:blip>
-          <a:stretch>
-            <a:fillRect/>
-          </a:stretch>
-        </p:blipFill>
-        <p:spPr>
-          <a:xfrm>
-            <a:off x="2281915" y="2653336"/>
-            <a:ext cx="3895272" cy="2935903"/>
-          </a:xfrm>
-        </p:spPr>
-      </p:pic>
-      <p:sp>
-        <p:nvSpPr>
-          <p:cNvPr id="6" name="textruta 5"/>
-          <p:cNvSpPr txBox="1"/>
-          <p:nvPr/>
-        </p:nvSpPr>
-        <p:spPr>
-          <a:xfrm>
-            <a:off x="1115616" y="1416342"/>
-            <a:ext cx="7416824" cy="1015663"/>
+            <a:off x="5508104" y="1628800"/>
+            <a:ext cx="2592288" cy="646331"/>
           </a:xfrm>
           <a:prstGeom prst="rect">
             <a:avLst/>
@@ -6281,35 +6991,26 @@
           </a:bodyPr>
           <a:lstStyle/>
           <a:p>
-            <a:r>
-              <a:rPr lang="en-US" sz="2000" dirty="0" smtClean="0"/>
-              <a:t>The table AspNetUsers contains several columns to handle a user</a:t>
-            </a:r>
-          </a:p>
-          <a:p>
-            <a:endParaRPr lang="en-US" sz="2000" dirty="0"/>
-          </a:p>
-          <a:p>
-            <a:r>
-              <a:rPr lang="en-US" sz="2000" dirty="0" smtClean="0"/>
-              <a:t>?? </a:t>
-            </a:r>
-            <a:r>
-              <a:rPr lang="en-US" sz="2000" dirty="0" err="1" smtClean="0"/>
-              <a:t>Fråga</a:t>
-            </a:r>
-            <a:r>
-              <a:rPr lang="en-US" sz="2000" dirty="0" smtClean="0"/>
-              <a:t> Tore</a:t>
-            </a:r>
-            <a:endParaRPr lang="en-US" sz="2000" dirty="0"/>
+            <a:pPr marL="285750" indent="-285750">
+              <a:buFont typeface="Arial" panose="020B0604020202020204" pitchFamily="34" charset="0"/>
+              <a:buChar char="•"/>
+            </a:pPr>
+            <a:r>
+              <a:rPr lang="en-US" dirty="0" smtClean="0"/>
+              <a:t>Table used to store migration </a:t>
+            </a:r>
+            <a:r>
+              <a:rPr lang="en-US" dirty="0" smtClean="0"/>
+              <a:t>history </a:t>
+            </a:r>
+            <a:endParaRPr lang="en-US" dirty="0"/>
           </a:p>
         </p:txBody>
       </p:sp>
     </p:spTree>
     <p:extLst>
       <p:ext uri="{BB962C8B-B14F-4D97-AF65-F5344CB8AC3E}">
-        <p14:creationId xmlns:p14="http://schemas.microsoft.com/office/powerpoint/2010/main" val="2039107966"/>
+        <p14:creationId xmlns:p14="http://schemas.microsoft.com/office/powerpoint/2010/main" val="3301651287"/>
       </p:ext>
     </p:extLst>
   </p:cSld>
